--- a/mobileAPI.pptx
+++ b/mobileAPI.pptx
@@ -294,7 +294,7 @@
     </p:spTree>
     <p:extLst>
       <p:ext uri="{BB962C8B-B14F-4D97-AF65-F5344CB8AC3E}">
-        <p14:creationId xmlns:p14="http://schemas.microsoft.com/office/powerpoint/2010/main" xmlns="" val="4163209732"/>
+        <p14:creationId xmlns="" xmlns:p14="http://schemas.microsoft.com/office/powerpoint/2010/main" val="4163209732"/>
       </p:ext>
     </p:extLst>
   </p:cSld>
@@ -466,7 +466,7 @@
     </p:spTree>
     <p:extLst>
       <p:ext uri="{BB962C8B-B14F-4D97-AF65-F5344CB8AC3E}">
-        <p14:creationId xmlns:p14="http://schemas.microsoft.com/office/powerpoint/2010/main" xmlns="" val="3062992749"/>
+        <p14:creationId xmlns="" xmlns:p14="http://schemas.microsoft.com/office/powerpoint/2010/main" val="3062992749"/>
       </p:ext>
     </p:extLst>
   </p:cSld>
@@ -648,7 +648,7 @@
     </p:spTree>
     <p:extLst>
       <p:ext uri="{BB962C8B-B14F-4D97-AF65-F5344CB8AC3E}">
-        <p14:creationId xmlns:p14="http://schemas.microsoft.com/office/powerpoint/2010/main" xmlns="" val="3974343783"/>
+        <p14:creationId xmlns="" xmlns:p14="http://schemas.microsoft.com/office/powerpoint/2010/main" val="3974343783"/>
       </p:ext>
     </p:extLst>
   </p:cSld>
@@ -820,7 +820,7 @@
     </p:spTree>
     <p:extLst>
       <p:ext uri="{BB962C8B-B14F-4D97-AF65-F5344CB8AC3E}">
-        <p14:creationId xmlns:p14="http://schemas.microsoft.com/office/powerpoint/2010/main" xmlns="" val="3207294073"/>
+        <p14:creationId xmlns="" xmlns:p14="http://schemas.microsoft.com/office/powerpoint/2010/main" val="3207294073"/>
       </p:ext>
     </p:extLst>
   </p:cSld>
@@ -1068,7 +1068,7 @@
     </p:spTree>
     <p:extLst>
       <p:ext uri="{BB962C8B-B14F-4D97-AF65-F5344CB8AC3E}">
-        <p14:creationId xmlns:p14="http://schemas.microsoft.com/office/powerpoint/2010/main" xmlns="" val="1051145955"/>
+        <p14:creationId xmlns="" xmlns:p14="http://schemas.microsoft.com/office/powerpoint/2010/main" val="1051145955"/>
       </p:ext>
     </p:extLst>
   </p:cSld>
@@ -1302,7 +1302,7 @@
     </p:spTree>
     <p:extLst>
       <p:ext uri="{BB962C8B-B14F-4D97-AF65-F5344CB8AC3E}">
-        <p14:creationId xmlns:p14="http://schemas.microsoft.com/office/powerpoint/2010/main" xmlns="" val="3916590198"/>
+        <p14:creationId xmlns="" xmlns:p14="http://schemas.microsoft.com/office/powerpoint/2010/main" val="3916590198"/>
       </p:ext>
     </p:extLst>
   </p:cSld>
@@ -1671,7 +1671,7 @@
     </p:spTree>
     <p:extLst>
       <p:ext uri="{BB962C8B-B14F-4D97-AF65-F5344CB8AC3E}">
-        <p14:creationId xmlns:p14="http://schemas.microsoft.com/office/powerpoint/2010/main" xmlns="" val="58510432"/>
+        <p14:creationId xmlns="" xmlns:p14="http://schemas.microsoft.com/office/powerpoint/2010/main" val="58510432"/>
       </p:ext>
     </p:extLst>
   </p:cSld>
@@ -1791,7 +1791,7 @@
     </p:spTree>
     <p:extLst>
       <p:ext uri="{BB962C8B-B14F-4D97-AF65-F5344CB8AC3E}">
-        <p14:creationId xmlns:p14="http://schemas.microsoft.com/office/powerpoint/2010/main" xmlns="" val="3385468782"/>
+        <p14:creationId xmlns="" xmlns:p14="http://schemas.microsoft.com/office/powerpoint/2010/main" val="3385468782"/>
       </p:ext>
     </p:extLst>
   </p:cSld>
@@ -1888,7 +1888,7 @@
     </p:spTree>
     <p:extLst>
       <p:ext uri="{BB962C8B-B14F-4D97-AF65-F5344CB8AC3E}">
-        <p14:creationId xmlns:p14="http://schemas.microsoft.com/office/powerpoint/2010/main" xmlns="" val="3290600943"/>
+        <p14:creationId xmlns="" xmlns:p14="http://schemas.microsoft.com/office/powerpoint/2010/main" val="3290600943"/>
       </p:ext>
     </p:extLst>
   </p:cSld>
@@ -2167,7 +2167,7 @@
     </p:spTree>
     <p:extLst>
       <p:ext uri="{BB962C8B-B14F-4D97-AF65-F5344CB8AC3E}">
-        <p14:creationId xmlns:p14="http://schemas.microsoft.com/office/powerpoint/2010/main" xmlns="" val="3596490047"/>
+        <p14:creationId xmlns="" xmlns:p14="http://schemas.microsoft.com/office/powerpoint/2010/main" val="3596490047"/>
       </p:ext>
     </p:extLst>
   </p:cSld>
@@ -2422,7 +2422,7 @@
     </p:spTree>
     <p:extLst>
       <p:ext uri="{BB962C8B-B14F-4D97-AF65-F5344CB8AC3E}">
-        <p14:creationId xmlns:p14="http://schemas.microsoft.com/office/powerpoint/2010/main" xmlns="" val="1720198059"/>
+        <p14:creationId xmlns="" xmlns:p14="http://schemas.microsoft.com/office/powerpoint/2010/main" val="1720198059"/>
       </p:ext>
     </p:extLst>
   </p:cSld>
@@ -2673,7 +2673,7 @@
     </p:spTree>
     <p:extLst>
       <p:ext uri="{BB962C8B-B14F-4D97-AF65-F5344CB8AC3E}">
-        <p14:creationId xmlns:p14="http://schemas.microsoft.com/office/powerpoint/2010/main" xmlns="" val="3977420375"/>
+        <p14:creationId xmlns="" xmlns:p14="http://schemas.microsoft.com/office/powerpoint/2010/main" val="3977420375"/>
       </p:ext>
     </p:extLst>
   </p:cSld>
@@ -3036,7 +3036,7 @@
     </p:spTree>
     <p:extLst>
       <p:ext uri="{BB962C8B-B14F-4D97-AF65-F5344CB8AC3E}">
-        <p14:creationId xmlns:p14="http://schemas.microsoft.com/office/powerpoint/2010/main" xmlns="" val="4043120621"/>
+        <p14:creationId xmlns="" xmlns:p14="http://schemas.microsoft.com/office/powerpoint/2010/main" val="4043120621"/>
       </p:ext>
     </p:extLst>
   </p:cSld>
@@ -3140,7 +3140,7 @@
     </p:spTree>
     <p:extLst>
       <p:ext uri="{BB962C8B-B14F-4D97-AF65-F5344CB8AC3E}">
-        <p14:creationId xmlns:p14="http://schemas.microsoft.com/office/powerpoint/2010/main" xmlns="" val="461892715"/>
+        <p14:creationId xmlns="" xmlns:p14="http://schemas.microsoft.com/office/powerpoint/2010/main" val="461892715"/>
       </p:ext>
     </p:extLst>
   </p:cSld>
@@ -3334,10 +3334,54 @@
           <a:bodyPr/>
           <a:lstStyle/>
           <a:p>
-            <a:endParaRPr lang="zh-TW" altLang="en-US"/>
-          </a:p>
-        </p:txBody>
-      </p:sp>
+            <a:r>
+              <a:rPr lang="en-US" altLang="zh-TW" dirty="0" smtClean="0"/>
+              <a:t>Touch</a:t>
+            </a:r>
+            <a:r>
+              <a:rPr lang="zh-TW" altLang="en-US" dirty="0" smtClean="0"/>
+              <a:t> </a:t>
+            </a:r>
+            <a:r>
+              <a:rPr lang="en-US" altLang="zh-TW" dirty="0" smtClean="0"/>
+              <a:t>Piano</a:t>
+            </a:r>
+            <a:endParaRPr lang="zh-TW" altLang="en-US" dirty="0"/>
+          </a:p>
+        </p:txBody>
+      </p:sp>
+      <p:pic>
+        <p:nvPicPr>
+          <p:cNvPr id="1026" name="Picture 2"/>
+          <p:cNvPicPr>
+            <a:picLocks noChangeAspect="1" noChangeArrowheads="1"/>
+          </p:cNvPicPr>
+          <p:nvPr/>
+        </p:nvPicPr>
+        <p:blipFill>
+          <a:blip r:embed="rId2" cstate="print"/>
+          <a:srcRect/>
+          <a:stretch>
+            <a:fillRect/>
+          </a:stretch>
+        </p:blipFill>
+        <p:spPr bwMode="auto">
+          <a:xfrm>
+            <a:off x="5109708" y="337931"/>
+            <a:ext cx="3892452" cy="2045804"/>
+          </a:xfrm>
+          <a:prstGeom prst="rect">
+            <a:avLst/>
+          </a:prstGeom>
+          <a:noFill/>
+          <a:ln w="9525">
+            <a:noFill/>
+            <a:miter lim="800000"/>
+            <a:headEnd/>
+            <a:tailEnd/>
+          </a:ln>
+        </p:spPr>
+      </p:pic>
     </p:spTree>
   </p:cSld>
   <p:clrMapOvr>
@@ -3601,7 +3645,7 @@
   <a:extraClrSchemeLst/>
   <a:extLst>
     <a:ext uri="{05A4C25C-085E-4340-85A3-A5531E510DB2}">
-      <thm15:themeFamily xmlns:thm15="http://schemas.microsoft.com/office/thememl/2012/main" xmlns="" name="Office Theme" id="{62F939B6-93AF-4DB8-9C6B-D6C7DFDC589F}" vid="{4A3C46E8-61CC-4603-A589-7422A47A8E4A}"/>
+      <thm15:themeFamily xmlns="" xmlns:thm15="http://schemas.microsoft.com/office/thememl/2012/main" name="Office Theme" id="{62F939B6-93AF-4DB8-9C6B-D6C7DFDC589F}" vid="{4A3C46E8-61CC-4603-A589-7422A47A8E4A}"/>
     </a:ext>
   </a:extLst>
 </a:theme>
